--- a/präsentation/bsc_version_04_06..pptx
+++ b/präsentation/bsc_version_04_06..pptx
@@ -367,7 +367,7 @@
             <a:pPr indent="0" algn="r">
               <a:buNone/>
             </a:pPr>
-            <a:fld id="{7A7017C8-D604-4BEA-8349-4A3DF7BC039A}" type="slidenum">
+            <a:fld id="{EEF8E7C2-A2C3-4A2C-9891-9D49D66D0956}" type="slidenum">
               <a:rPr b="0" lang="en-US" sz="1400" spc="-1" strike="noStrike">
                 <a:solidFill>
                   <a:srgbClr val="000000"/>
@@ -421,7 +421,7 @@
         <p:spPr>
           <a:xfrm>
             <a:off x="685800" y="1143000"/>
-            <a:ext cx="5485320" cy="3085200"/>
+            <a:ext cx="5484960" cy="3084840"/>
           </a:xfrm>
           <a:prstGeom prst="rect">
             <a:avLst/>
@@ -444,7 +444,7 @@
         <p:spPr>
           <a:xfrm>
             <a:off x="685800" y="4400640"/>
-            <a:ext cx="5485320" cy="3599280"/>
+            <a:ext cx="5484960" cy="3598920"/>
           </a:xfrm>
           <a:prstGeom prst="rect">
             <a:avLst/>
@@ -484,7 +484,7 @@
         <p:spPr>
           <a:xfrm>
             <a:off x="3884760" y="8685360"/>
-            <a:ext cx="2970720" cy="457560"/>
+            <a:ext cx="2970360" cy="457200"/>
           </a:xfrm>
           <a:prstGeom prst="rect">
             <a:avLst/>
@@ -525,7 +525,7 @@
                 <a:tab algn="l" pos="0"/>
               </a:tabLst>
             </a:pPr>
-            <a:fld id="{AA2E1515-8D2D-4967-B89B-B15B8F46BAF5}" type="slidenum">
+            <a:fld id="{AE6E19A0-6300-47CD-9DE1-57D89BEFEFCA}" type="slidenum">
               <a:rPr b="0" lang="de-AT" sz="1200" spc="-1" strike="noStrike">
                 <a:solidFill>
                   <a:srgbClr val="000000"/>
@@ -578,7 +578,7 @@
         <p:spPr>
           <a:xfrm>
             <a:off x="1307160" y="1650600"/>
-            <a:ext cx="10404360" cy="625320"/>
+            <a:ext cx="10404000" cy="625320"/>
           </a:xfrm>
           <a:prstGeom prst="rect">
             <a:avLst/>
@@ -618,7 +618,7 @@
         <p:spPr>
           <a:xfrm>
             <a:off x="1307160" y="2629080"/>
-            <a:ext cx="10404360" cy="3102480"/>
+            <a:ext cx="10404000" cy="3102120"/>
           </a:xfrm>
           <a:prstGeom prst="rect">
             <a:avLst/>
@@ -683,7 +683,7 @@
         <p:spPr>
           <a:xfrm>
             <a:off x="1307160" y="1650600"/>
-            <a:ext cx="10404360" cy="625320"/>
+            <a:ext cx="10404000" cy="625320"/>
           </a:xfrm>
           <a:prstGeom prst="rect">
             <a:avLst/>
@@ -723,7 +723,7 @@
         <p:spPr>
           <a:xfrm>
             <a:off x="1307160" y="2629080"/>
-            <a:ext cx="10404360" cy="3102480"/>
+            <a:ext cx="10404000" cy="3102120"/>
           </a:xfrm>
           <a:prstGeom prst="rect">
             <a:avLst/>
@@ -787,7 +787,7 @@
         <p:txBody>
           <a:bodyPr/>
           <a:p>
-            <a:fld id="{264FBE36-6E02-4D55-94FA-6C0271886390}" type="slidenum">
+            <a:fld id="{E6783834-7B09-4B8C-9F12-9EE002E0E7A1}" type="slidenum">
               <a:t>&lt;#&gt;</a:t>
             </a:fld>
           </a:p>
@@ -828,7 +828,7 @@
         <p:spPr>
           <a:xfrm>
             <a:off x="1307160" y="1650600"/>
-            <a:ext cx="10404360" cy="625320"/>
+            <a:ext cx="10404000" cy="625320"/>
           </a:xfrm>
           <a:prstGeom prst="rect">
             <a:avLst/>
@@ -868,7 +868,7 @@
         <p:spPr>
           <a:xfrm>
             <a:off x="1307160" y="2629080"/>
-            <a:ext cx="10404360" cy="3102480"/>
+            <a:ext cx="10404000" cy="3102120"/>
           </a:xfrm>
           <a:prstGeom prst="rect">
             <a:avLst/>
@@ -932,7 +932,7 @@
         <p:txBody>
           <a:bodyPr/>
           <a:p>
-            <a:fld id="{F6E6B4D0-64D0-4046-B6CB-B9C40EF20DBE}" type="slidenum">
+            <a:fld id="{F4CE21F3-288B-4D57-AD24-00BB8B40D64A}" type="slidenum">
               <a:t>&lt;#&gt;</a:t>
             </a:fld>
           </a:p>
@@ -973,7 +973,7 @@
         <p:spPr>
           <a:xfrm>
             <a:off x="1307160" y="1650600"/>
-            <a:ext cx="10404360" cy="625320"/>
+            <a:ext cx="10404000" cy="625320"/>
           </a:xfrm>
           <a:prstGeom prst="rect">
             <a:avLst/>
@@ -1013,7 +1013,7 @@
         <p:spPr>
           <a:xfrm>
             <a:off x="1307160" y="2629080"/>
-            <a:ext cx="10404360" cy="3102480"/>
+            <a:ext cx="10404000" cy="3102120"/>
           </a:xfrm>
           <a:prstGeom prst="rect">
             <a:avLst/>
@@ -1077,7 +1077,7 @@
         <p:txBody>
           <a:bodyPr/>
           <a:p>
-            <a:fld id="{A277EB01-4745-444B-9D75-BE98522EC2B6}" type="slidenum">
+            <a:fld id="{87ABB9D4-2188-44D3-8780-57EF7B89F484}" type="slidenum">
               <a:t>&lt;#&gt;</a:t>
             </a:fld>
           </a:p>
@@ -1118,7 +1118,7 @@
         <p:spPr>
           <a:xfrm>
             <a:off x="1307160" y="1650600"/>
-            <a:ext cx="10404360" cy="625320"/>
+            <a:ext cx="10404000" cy="625320"/>
           </a:xfrm>
           <a:prstGeom prst="rect">
             <a:avLst/>
@@ -1158,7 +1158,7 @@
         <p:spPr>
           <a:xfrm>
             <a:off x="1307160" y="2629080"/>
-            <a:ext cx="10404360" cy="3102480"/>
+            <a:ext cx="10404000" cy="3102120"/>
           </a:xfrm>
           <a:prstGeom prst="rect">
             <a:avLst/>
@@ -1222,7 +1222,7 @@
         <p:txBody>
           <a:bodyPr/>
           <a:p>
-            <a:fld id="{43FB9CBF-982A-4452-AF84-6F5FA2CDA80D}" type="slidenum">
+            <a:fld id="{F1809523-810E-4375-84C8-DF63C8E2FE5D}" type="slidenum">
               <a:t>&lt;#&gt;</a:t>
             </a:fld>
           </a:p>
@@ -1263,7 +1263,7 @@
         <p:spPr>
           <a:xfrm>
             <a:off x="1307160" y="1650600"/>
-            <a:ext cx="10404360" cy="625320"/>
+            <a:ext cx="10404000" cy="625320"/>
           </a:xfrm>
           <a:prstGeom prst="rect">
             <a:avLst/>
@@ -1303,7 +1303,7 @@
         <p:spPr>
           <a:xfrm>
             <a:off x="1307160" y="2629080"/>
-            <a:ext cx="10404360" cy="3102480"/>
+            <a:ext cx="10404000" cy="3102120"/>
           </a:xfrm>
           <a:prstGeom prst="rect">
             <a:avLst/>
@@ -1367,7 +1367,7 @@
         <p:txBody>
           <a:bodyPr/>
           <a:p>
-            <a:fld id="{64442E8E-F99D-486B-9EDC-EA811F83C21C}" type="slidenum">
+            <a:fld id="{63326AF2-4B9B-428A-8241-E916D2C7F01F}" type="slidenum">
               <a:t>&lt;#&gt;</a:t>
             </a:fld>
           </a:p>
@@ -1408,7 +1408,7 @@
         <p:spPr>
           <a:xfrm>
             <a:off x="1307160" y="1650600"/>
-            <a:ext cx="10404360" cy="625320"/>
+            <a:ext cx="10404000" cy="625320"/>
           </a:xfrm>
           <a:prstGeom prst="rect">
             <a:avLst/>
@@ -1448,7 +1448,7 @@
         <p:spPr>
           <a:xfrm>
             <a:off x="1307160" y="2629080"/>
-            <a:ext cx="10404360" cy="3102480"/>
+            <a:ext cx="10404000" cy="3102120"/>
           </a:xfrm>
           <a:prstGeom prst="rect">
             <a:avLst/>
@@ -1509,7 +1509,7 @@
         <p:txBody>
           <a:bodyPr/>
           <a:p>
-            <a:fld id="{28CCCB17-86F4-472D-83F1-811C2CB203A0}" type="slidenum">
+            <a:fld id="{ADDEBB8F-91BF-43A7-BC4B-E2BDA1CFE3A4}" type="slidenum">
               <a:t>&lt;#&gt;</a:t>
             </a:fld>
           </a:p>
@@ -1559,7 +1559,7 @@
         <p:spPr>
           <a:xfrm>
             <a:off x="0" y="6235560"/>
-            <a:ext cx="12191040" cy="621360"/>
+            <a:ext cx="12190680" cy="621000"/>
           </a:xfrm>
           <a:prstGeom prst="rect">
             <a:avLst/>
@@ -1616,7 +1616,7 @@
         <p:spPr>
           <a:xfrm>
             <a:off x="468360" y="466560"/>
-            <a:ext cx="1938960" cy="733680"/>
+            <a:ext cx="1938600" cy="733320"/>
           </a:xfrm>
           <a:prstGeom prst="rect">
             <a:avLst/>
@@ -1639,7 +1639,7 @@
         <p:spPr>
           <a:xfrm>
             <a:off x="1307160" y="1650600"/>
-            <a:ext cx="10404360" cy="624960"/>
+            <a:ext cx="10404000" cy="624960"/>
           </a:xfrm>
           <a:prstGeom prst="rect">
             <a:avLst/>
@@ -1688,7 +1688,7 @@
         <p:spPr>
           <a:xfrm>
             <a:off x="1307160" y="2629080"/>
-            <a:ext cx="10404360" cy="3102480"/>
+            <a:ext cx="10404000" cy="3102120"/>
           </a:xfrm>
           <a:prstGeom prst="rect">
             <a:avLst/>
@@ -1948,7 +1948,7 @@
         <p:spPr>
           <a:xfrm>
             <a:off x="0" y="6235560"/>
-            <a:ext cx="12191040" cy="621360"/>
+            <a:ext cx="12190680" cy="621000"/>
           </a:xfrm>
           <a:prstGeom prst="rect">
             <a:avLst/>
@@ -2005,7 +2005,7 @@
         <p:spPr>
           <a:xfrm>
             <a:off x="468360" y="466560"/>
-            <a:ext cx="1938960" cy="733680"/>
+            <a:ext cx="1938600" cy="733320"/>
           </a:xfrm>
           <a:prstGeom prst="rect">
             <a:avLst/>
@@ -2028,7 +2028,7 @@
         <p:spPr>
           <a:xfrm>
             <a:off x="1307160" y="1650600"/>
-            <a:ext cx="10404360" cy="624960"/>
+            <a:ext cx="10404000" cy="624960"/>
           </a:xfrm>
           <a:prstGeom prst="rect">
             <a:avLst/>
@@ -2077,7 +2077,7 @@
         <p:spPr>
           <a:xfrm>
             <a:off x="1307160" y="2629080"/>
-            <a:ext cx="10404360" cy="3102480"/>
+            <a:ext cx="10404000" cy="3102120"/>
           </a:xfrm>
           <a:prstGeom prst="rect">
             <a:avLst/>
@@ -2302,7 +2302,7 @@
         <p:spPr>
           <a:xfrm>
             <a:off x="461880" y="6385680"/>
-            <a:ext cx="10133640" cy="286920"/>
+            <a:ext cx="10133280" cy="286560"/>
           </a:xfrm>
           <a:prstGeom prst="rect">
             <a:avLst/>
@@ -2374,7 +2374,7 @@
         <p:spPr>
           <a:xfrm>
             <a:off x="10885320" y="6385680"/>
-            <a:ext cx="825840" cy="286920"/>
+            <a:ext cx="825480" cy="286560"/>
           </a:xfrm>
           <a:prstGeom prst="rect">
             <a:avLst/>
@@ -2415,7 +2415,7 @@
                 <a:tab algn="l" pos="0"/>
               </a:tabLst>
             </a:pPr>
-            <a:fld id="{A09EF5BD-D1FB-4B70-B055-79EEB7D6D756}" type="slidenum">
+            <a:fld id="{E8F30E0F-A341-4E86-BFCD-EAE93C5716A9}" type="slidenum">
               <a:rPr b="0" lang="de-AT" sz="1200" spc="-1" strike="noStrike">
                 <a:solidFill>
                   <a:schemeClr val="lt1"/>
@@ -2481,7 +2481,7 @@
         <p:spPr>
           <a:xfrm>
             <a:off x="0" y="6235560"/>
-            <a:ext cx="12191040" cy="621360"/>
+            <a:ext cx="12190680" cy="621000"/>
           </a:xfrm>
           <a:prstGeom prst="rect">
             <a:avLst/>
@@ -2538,7 +2538,7 @@
         <p:spPr>
           <a:xfrm>
             <a:off x="468360" y="466560"/>
-            <a:ext cx="1938960" cy="733680"/>
+            <a:ext cx="1938600" cy="733320"/>
           </a:xfrm>
           <a:prstGeom prst="rect">
             <a:avLst/>
@@ -2561,7 +2561,7 @@
         <p:spPr>
           <a:xfrm>
             <a:off x="1307160" y="1650600"/>
-            <a:ext cx="10404360" cy="624960"/>
+            <a:ext cx="10404000" cy="624960"/>
           </a:xfrm>
           <a:prstGeom prst="rect">
             <a:avLst/>
@@ -2610,7 +2610,7 @@
         <p:spPr>
           <a:xfrm>
             <a:off x="1307160" y="2629080"/>
-            <a:ext cx="10404360" cy="3102480"/>
+            <a:ext cx="10404000" cy="3102120"/>
           </a:xfrm>
           <a:prstGeom prst="rect">
             <a:avLst/>
@@ -2835,7 +2835,7 @@
         <p:spPr>
           <a:xfrm>
             <a:off x="461880" y="6385680"/>
-            <a:ext cx="10133640" cy="286920"/>
+            <a:ext cx="10133280" cy="286560"/>
           </a:xfrm>
           <a:prstGeom prst="rect">
             <a:avLst/>
@@ -2907,7 +2907,7 @@
         <p:spPr>
           <a:xfrm>
             <a:off x="10885320" y="6385680"/>
-            <a:ext cx="825840" cy="286920"/>
+            <a:ext cx="825480" cy="286560"/>
           </a:xfrm>
           <a:prstGeom prst="rect">
             <a:avLst/>
@@ -2948,7 +2948,7 @@
                 <a:tab algn="l" pos="0"/>
               </a:tabLst>
             </a:pPr>
-            <a:fld id="{2A4BE042-DB86-4A89-8DFE-1AFF3A0A715F}" type="slidenum">
+            <a:fld id="{ABB6FB03-411C-48EB-97E5-D514180E6C39}" type="slidenum">
               <a:rPr b="0" lang="de-AT" sz="1200" spc="-1" strike="noStrike">
                 <a:solidFill>
                   <a:schemeClr val="lt1"/>
@@ -3014,7 +3014,7 @@
         <p:spPr>
           <a:xfrm>
             <a:off x="0" y="6235560"/>
-            <a:ext cx="12191040" cy="621360"/>
+            <a:ext cx="12190680" cy="621000"/>
           </a:xfrm>
           <a:prstGeom prst="rect">
             <a:avLst/>
@@ -3071,7 +3071,7 @@
         <p:spPr>
           <a:xfrm>
             <a:off x="468360" y="466560"/>
-            <a:ext cx="1938960" cy="733680"/>
+            <a:ext cx="1938600" cy="733320"/>
           </a:xfrm>
           <a:prstGeom prst="rect">
             <a:avLst/>
@@ -3094,7 +3094,7 @@
         <p:spPr>
           <a:xfrm>
             <a:off x="1307160" y="1650600"/>
-            <a:ext cx="10404360" cy="624960"/>
+            <a:ext cx="10404000" cy="624960"/>
           </a:xfrm>
           <a:prstGeom prst="rect">
             <a:avLst/>
@@ -3143,7 +3143,7 @@
         <p:spPr>
           <a:xfrm>
             <a:off x="1307160" y="2629080"/>
-            <a:ext cx="10404360" cy="3102480"/>
+            <a:ext cx="10404000" cy="3102120"/>
           </a:xfrm>
           <a:prstGeom prst="rect">
             <a:avLst/>
@@ -3368,7 +3368,7 @@
         <p:spPr>
           <a:xfrm>
             <a:off x="461880" y="6385680"/>
-            <a:ext cx="10133640" cy="286920"/>
+            <a:ext cx="10133280" cy="286560"/>
           </a:xfrm>
           <a:prstGeom prst="rect">
             <a:avLst/>
@@ -3440,7 +3440,7 @@
         <p:spPr>
           <a:xfrm>
             <a:off x="10885320" y="6385680"/>
-            <a:ext cx="825840" cy="286920"/>
+            <a:ext cx="825480" cy="286560"/>
           </a:xfrm>
           <a:prstGeom prst="rect">
             <a:avLst/>
@@ -3481,7 +3481,7 @@
                 <a:tab algn="l" pos="0"/>
               </a:tabLst>
             </a:pPr>
-            <a:fld id="{5E557217-05B9-42E0-AFDB-D1A5C7B593E0}" type="slidenum">
+            <a:fld id="{12B3DFF5-0C22-4BFC-AD54-F81B3DEBFA55}" type="slidenum">
               <a:rPr b="0" lang="de-AT" sz="1200" spc="-1" strike="noStrike">
                 <a:solidFill>
                   <a:schemeClr val="lt1"/>
@@ -3547,7 +3547,7 @@
         <p:spPr>
           <a:xfrm>
             <a:off x="0" y="6235560"/>
-            <a:ext cx="12191040" cy="621360"/>
+            <a:ext cx="12190680" cy="621000"/>
           </a:xfrm>
           <a:prstGeom prst="rect">
             <a:avLst/>
@@ -3604,7 +3604,7 @@
         <p:spPr>
           <a:xfrm>
             <a:off x="468360" y="466560"/>
-            <a:ext cx="1938960" cy="733680"/>
+            <a:ext cx="1938600" cy="733320"/>
           </a:xfrm>
           <a:prstGeom prst="rect">
             <a:avLst/>
@@ -3627,7 +3627,7 @@
         <p:spPr>
           <a:xfrm>
             <a:off x="1307160" y="1650600"/>
-            <a:ext cx="10404360" cy="624960"/>
+            <a:ext cx="10404000" cy="624960"/>
           </a:xfrm>
           <a:prstGeom prst="rect">
             <a:avLst/>
@@ -3676,7 +3676,7 @@
         <p:spPr>
           <a:xfrm>
             <a:off x="1307160" y="2629080"/>
-            <a:ext cx="10404360" cy="3102480"/>
+            <a:ext cx="10404000" cy="3102120"/>
           </a:xfrm>
           <a:prstGeom prst="rect">
             <a:avLst/>
@@ -3901,7 +3901,7 @@
         <p:spPr>
           <a:xfrm>
             <a:off x="461880" y="6385680"/>
-            <a:ext cx="10133640" cy="286920"/>
+            <a:ext cx="10133280" cy="286560"/>
           </a:xfrm>
           <a:prstGeom prst="rect">
             <a:avLst/>
@@ -3973,7 +3973,7 @@
         <p:spPr>
           <a:xfrm>
             <a:off x="10885320" y="6385680"/>
-            <a:ext cx="825840" cy="286920"/>
+            <a:ext cx="825480" cy="286560"/>
           </a:xfrm>
           <a:prstGeom prst="rect">
             <a:avLst/>
@@ -4014,7 +4014,7 @@
                 <a:tab algn="l" pos="0"/>
               </a:tabLst>
             </a:pPr>
-            <a:fld id="{613B597D-2219-4E89-B5B5-9FA2972411E4}" type="slidenum">
+            <a:fld id="{D8968C81-E25A-47A3-B466-A8147E2EF73B}" type="slidenum">
               <a:rPr b="0" lang="de-AT" sz="1200" spc="-1" strike="noStrike">
                 <a:solidFill>
                   <a:schemeClr val="lt1"/>
@@ -4080,7 +4080,7 @@
         <p:spPr>
           <a:xfrm>
             <a:off x="0" y="6235560"/>
-            <a:ext cx="12191040" cy="621360"/>
+            <a:ext cx="12190680" cy="621000"/>
           </a:xfrm>
           <a:prstGeom prst="rect">
             <a:avLst/>
@@ -4137,7 +4137,7 @@
         <p:spPr>
           <a:xfrm>
             <a:off x="468360" y="466560"/>
-            <a:ext cx="1938960" cy="733680"/>
+            <a:ext cx="1938600" cy="733320"/>
           </a:xfrm>
           <a:prstGeom prst="rect">
             <a:avLst/>
@@ -4160,7 +4160,7 @@
         <p:spPr>
           <a:xfrm>
             <a:off x="1307160" y="1650600"/>
-            <a:ext cx="10404360" cy="624960"/>
+            <a:ext cx="10404000" cy="624960"/>
           </a:xfrm>
           <a:prstGeom prst="rect">
             <a:avLst/>
@@ -4209,7 +4209,7 @@
         <p:spPr>
           <a:xfrm>
             <a:off x="1307160" y="2629080"/>
-            <a:ext cx="10404360" cy="3102480"/>
+            <a:ext cx="10404000" cy="3102120"/>
           </a:xfrm>
           <a:prstGeom prst="rect">
             <a:avLst/>
@@ -4434,7 +4434,7 @@
         <p:spPr>
           <a:xfrm>
             <a:off x="461880" y="6385680"/>
-            <a:ext cx="10133640" cy="286920"/>
+            <a:ext cx="10133280" cy="286560"/>
           </a:xfrm>
           <a:prstGeom prst="rect">
             <a:avLst/>
@@ -4506,7 +4506,7 @@
         <p:spPr>
           <a:xfrm>
             <a:off x="10885320" y="6385680"/>
-            <a:ext cx="825840" cy="286920"/>
+            <a:ext cx="825480" cy="286560"/>
           </a:xfrm>
           <a:prstGeom prst="rect">
             <a:avLst/>
@@ -4547,7 +4547,7 @@
                 <a:tab algn="l" pos="0"/>
               </a:tabLst>
             </a:pPr>
-            <a:fld id="{302ABFE9-E36B-4205-877E-F72D959E2687}" type="slidenum">
+            <a:fld id="{44890667-9465-4E62-B0A1-1D097720E57C}" type="slidenum">
               <a:rPr b="0" lang="de-AT" sz="1200" spc="-1" strike="noStrike">
                 <a:solidFill>
                   <a:schemeClr val="lt1"/>
@@ -4613,7 +4613,7 @@
         <p:spPr>
           <a:xfrm>
             <a:off x="0" y="6235560"/>
-            <a:ext cx="12191040" cy="621360"/>
+            <a:ext cx="12190680" cy="621000"/>
           </a:xfrm>
           <a:prstGeom prst="rect">
             <a:avLst/>
@@ -4670,7 +4670,7 @@
         <p:spPr>
           <a:xfrm>
             <a:off x="468360" y="466560"/>
-            <a:ext cx="1938960" cy="733680"/>
+            <a:ext cx="1938600" cy="733320"/>
           </a:xfrm>
           <a:prstGeom prst="rect">
             <a:avLst/>
@@ -4693,7 +4693,7 @@
         <p:spPr>
           <a:xfrm>
             <a:off x="1307160" y="1650600"/>
-            <a:ext cx="10404360" cy="624960"/>
+            <a:ext cx="10404000" cy="624960"/>
           </a:xfrm>
           <a:prstGeom prst="rect">
             <a:avLst/>
@@ -4742,7 +4742,7 @@
         <p:spPr>
           <a:xfrm>
             <a:off x="461880" y="6385680"/>
-            <a:ext cx="10133640" cy="286920"/>
+            <a:ext cx="10133280" cy="286560"/>
           </a:xfrm>
           <a:prstGeom prst="rect">
             <a:avLst/>
@@ -4814,7 +4814,7 @@
         <p:spPr>
           <a:xfrm>
             <a:off x="10885320" y="6385680"/>
-            <a:ext cx="825840" cy="286920"/>
+            <a:ext cx="825480" cy="286560"/>
           </a:xfrm>
           <a:prstGeom prst="rect">
             <a:avLst/>
@@ -4855,7 +4855,7 @@
                 <a:tab algn="l" pos="0"/>
               </a:tabLst>
             </a:pPr>
-            <a:fld id="{51C33DAC-064E-4DDC-93D7-DC27625E8641}" type="slidenum">
+            <a:fld id="{6074488A-C80E-462B-B875-231A460E044E}" type="slidenum">
               <a:rPr b="0" lang="de-AT" sz="1200" spc="-1" strike="noStrike">
                 <a:solidFill>
                   <a:schemeClr val="lt1"/>
@@ -5137,7 +5137,7 @@
         <p:spPr>
           <a:xfrm>
             <a:off x="461880" y="4258800"/>
-            <a:ext cx="10133640" cy="1038600"/>
+            <a:ext cx="10133280" cy="1038240"/>
           </a:xfrm>
           <a:prstGeom prst="rect">
             <a:avLst/>
@@ -5216,7 +5216,7 @@
         <p:spPr>
           <a:xfrm>
             <a:off x="461880" y="5550480"/>
-            <a:ext cx="10133640" cy="344520"/>
+            <a:ext cx="10133280" cy="344160"/>
           </a:xfrm>
           <a:prstGeom prst="rect">
             <a:avLst/>
@@ -5304,7 +5304,7 @@
         <p:spPr>
           <a:xfrm>
             <a:off x="1307160" y="1549080"/>
-            <a:ext cx="10404360" cy="828360"/>
+            <a:ext cx="10404000" cy="828000"/>
           </a:xfrm>
           <a:prstGeom prst="rect">
             <a:avLst/>
@@ -5365,7 +5365,7 @@
         <p:spPr>
           <a:xfrm>
             <a:off x="1307160" y="2661480"/>
-            <a:ext cx="871200" cy="1002600"/>
+            <a:ext cx="870840" cy="1002240"/>
           </a:xfrm>
           <a:prstGeom prst="rect">
             <a:avLst/>
@@ -5388,7 +5388,7 @@
         <p:spPr>
           <a:xfrm>
             <a:off x="2368440" y="3062160"/>
-            <a:ext cx="360000" cy="184320"/>
+            <a:ext cx="359640" cy="183960"/>
           </a:xfrm>
           <a:prstGeom prst="rect">
             <a:avLst/>
@@ -5411,7 +5411,7 @@
         <p:spPr>
           <a:xfrm>
             <a:off x="2838600" y="2661480"/>
-            <a:ext cx="1069200" cy="1005120"/>
+            <a:ext cx="1068840" cy="1004760"/>
           </a:xfrm>
           <a:prstGeom prst="rect">
             <a:avLst/>
@@ -5434,7 +5434,7 @@
         <p:spPr>
           <a:xfrm>
             <a:off x="4024440" y="3062160"/>
-            <a:ext cx="360000" cy="184320"/>
+            <a:ext cx="359640" cy="183960"/>
           </a:xfrm>
           <a:prstGeom prst="rect">
             <a:avLst/>
@@ -5457,7 +5457,7 @@
         <p:spPr>
           <a:xfrm>
             <a:off x="4552560" y="2661480"/>
-            <a:ext cx="785520" cy="1005120"/>
+            <a:ext cx="785160" cy="1004760"/>
           </a:xfrm>
           <a:prstGeom prst="rect">
             <a:avLst/>
@@ -5480,7 +5480,7 @@
         <p:spPr>
           <a:xfrm>
             <a:off x="5392440" y="3062160"/>
-            <a:ext cx="360000" cy="184320"/>
+            <a:ext cx="359640" cy="183960"/>
           </a:xfrm>
           <a:prstGeom prst="rect">
             <a:avLst/>
@@ -5503,7 +5503,7 @@
         <p:spPr>
           <a:xfrm>
             <a:off x="5864760" y="2661480"/>
-            <a:ext cx="913680" cy="1005120"/>
+            <a:ext cx="913320" cy="1004760"/>
           </a:xfrm>
           <a:prstGeom prst="rect">
             <a:avLst/>
@@ -5526,7 +5526,7 @@
         <p:spPr>
           <a:xfrm>
             <a:off x="6868440" y="3062160"/>
-            <a:ext cx="360000" cy="184320"/>
+            <a:ext cx="359640" cy="183960"/>
           </a:xfrm>
           <a:prstGeom prst="rect">
             <a:avLst/>
@@ -5549,7 +5549,7 @@
         <p:spPr>
           <a:xfrm>
             <a:off x="7346520" y="2659680"/>
-            <a:ext cx="813240" cy="1005120"/>
+            <a:ext cx="812880" cy="1004760"/>
           </a:xfrm>
           <a:prstGeom prst="rect">
             <a:avLst/>
@@ -5572,7 +5572,7 @@
         <p:spPr>
           <a:xfrm>
             <a:off x="8698320" y="2661480"/>
-            <a:ext cx="858960" cy="1005120"/>
+            <a:ext cx="858600" cy="1004760"/>
           </a:xfrm>
           <a:prstGeom prst="rect">
             <a:avLst/>
@@ -5595,7 +5595,7 @@
         <p:spPr>
           <a:xfrm>
             <a:off x="8272440" y="3062160"/>
-            <a:ext cx="360000" cy="184320"/>
+            <a:ext cx="359640" cy="183960"/>
           </a:xfrm>
           <a:prstGeom prst="rect">
             <a:avLst/>
@@ -5618,7 +5618,7 @@
         <p:spPr>
           <a:xfrm>
             <a:off x="10110960" y="2661480"/>
-            <a:ext cx="886320" cy="1005120"/>
+            <a:ext cx="885960" cy="1004760"/>
           </a:xfrm>
           <a:prstGeom prst="rect">
             <a:avLst/>
@@ -5641,7 +5641,7 @@
         <p:spPr>
           <a:xfrm>
             <a:off x="9640440" y="3062160"/>
-            <a:ext cx="360000" cy="184320"/>
+            <a:ext cx="359640" cy="183960"/>
           </a:xfrm>
           <a:prstGeom prst="rect">
             <a:avLst/>
@@ -5664,7 +5664,7 @@
         <p:spPr>
           <a:xfrm>
             <a:off x="10486800" y="3776760"/>
-            <a:ext cx="182160" cy="356040"/>
+            <a:ext cx="181800" cy="355680"/>
           </a:xfrm>
           <a:prstGeom prst="rect">
             <a:avLst/>
@@ -5687,7 +5687,7 @@
         <p:spPr>
           <a:xfrm>
             <a:off x="10220760" y="4240080"/>
-            <a:ext cx="803880" cy="1005120"/>
+            <a:ext cx="803520" cy="1004760"/>
           </a:xfrm>
           <a:prstGeom prst="rect">
             <a:avLst/>
@@ -5710,7 +5710,7 @@
         <p:spPr>
           <a:xfrm>
             <a:off x="8697960" y="4243320"/>
-            <a:ext cx="913680" cy="1005120"/>
+            <a:ext cx="913320" cy="1004760"/>
           </a:xfrm>
           <a:prstGeom prst="rect">
             <a:avLst/>
@@ -5733,7 +5733,7 @@
         <p:spPr>
           <a:xfrm>
             <a:off x="9654480" y="4649760"/>
-            <a:ext cx="356040" cy="182160"/>
+            <a:ext cx="355680" cy="181800"/>
           </a:xfrm>
           <a:prstGeom prst="rect">
             <a:avLst/>
@@ -5756,7 +5756,7 @@
         <p:spPr>
           <a:xfrm>
             <a:off x="8178840" y="4649760"/>
-            <a:ext cx="356040" cy="182160"/>
+            <a:ext cx="355680" cy="181800"/>
           </a:xfrm>
           <a:prstGeom prst="rect">
             <a:avLst/>
@@ -5779,7 +5779,7 @@
         <p:spPr>
           <a:xfrm>
             <a:off x="7374960" y="4243320"/>
-            <a:ext cx="666720" cy="1005120"/>
+            <a:ext cx="666360" cy="1004760"/>
           </a:xfrm>
           <a:prstGeom prst="rect">
             <a:avLst/>
@@ -5798,7 +5798,7 @@
         <p:spPr>
           <a:xfrm>
             <a:off x="10998360" y="6087240"/>
-            <a:ext cx="1136520" cy="26280"/>
+            <a:ext cx="1136160" cy="25920"/>
           </a:xfrm>
           <a:prstGeom prst="rect">
             <a:avLst/>
@@ -5870,7 +5870,7 @@
         <p:txBody>
           <a:bodyPr/>
           <a:p>
-            <a:fld id="{3033AD20-4D5F-432D-AC65-5DA5EA17F1DF}" type="slidenum">
+            <a:fld id="{D21FF478-53FA-4983-A177-F10959AEC64E}" type="slidenum">
               <a:t>10</a:t>
             </a:fld>
           </a:p>
@@ -7516,7 +7516,7 @@
         <p:spPr>
           <a:xfrm>
             <a:off x="1307160" y="1549080"/>
-            <a:ext cx="10404360" cy="828360"/>
+            <a:ext cx="10404000" cy="828000"/>
           </a:xfrm>
           <a:prstGeom prst="rect">
             <a:avLst/>
@@ -7556,7 +7556,7 @@
         <p:spPr>
           <a:xfrm>
             <a:off x="1307160" y="2629080"/>
-            <a:ext cx="10404360" cy="3102480"/>
+            <a:ext cx="10404000" cy="3102120"/>
           </a:xfrm>
           <a:prstGeom prst="rect">
             <a:avLst/>
@@ -7599,7 +7599,7 @@
         <p:spPr>
           <a:xfrm>
             <a:off x="3048840" y="166680"/>
-            <a:ext cx="8537760" cy="6030720"/>
+            <a:ext cx="8537400" cy="6030360"/>
           </a:xfrm>
           <a:prstGeom prst="rect">
             <a:avLst/>
@@ -7623,7 +7623,7 @@
         <p:txBody>
           <a:bodyPr/>
           <a:p>
-            <a:fld id="{51E07AB0-C0B7-4B7C-9729-CEC0A8A88210}" type="slidenum">
+            <a:fld id="{1E5C4E11-399B-44AB-BE07-AF40EE240B14}" type="slidenum">
               <a:t>11</a:t>
             </a:fld>
           </a:p>
@@ -7672,7 +7672,7 @@
         <p:spPr>
           <a:xfrm>
             <a:off x="1307160" y="1549080"/>
-            <a:ext cx="10404360" cy="828360"/>
+            <a:ext cx="10404000" cy="828000"/>
           </a:xfrm>
           <a:prstGeom prst="rect">
             <a:avLst/>
@@ -7751,7 +7751,7 @@
         <p:spPr>
           <a:xfrm>
             <a:off x="1307520" y="2660760"/>
-            <a:ext cx="694080" cy="1005120"/>
+            <a:ext cx="693720" cy="1004760"/>
           </a:xfrm>
           <a:prstGeom prst="rect">
             <a:avLst/>
@@ -7774,7 +7774,7 @@
         <p:spPr>
           <a:xfrm>
             <a:off x="2188440" y="3026160"/>
-            <a:ext cx="360000" cy="184320"/>
+            <a:ext cx="359640" cy="183960"/>
           </a:xfrm>
           <a:prstGeom prst="rect">
             <a:avLst/>
@@ -7797,7 +7797,7 @@
         <p:spPr>
           <a:xfrm>
             <a:off x="2659320" y="2660760"/>
-            <a:ext cx="803880" cy="1005120"/>
+            <a:ext cx="803520" cy="1004760"/>
           </a:xfrm>
           <a:prstGeom prst="rect">
             <a:avLst/>
@@ -7820,7 +7820,7 @@
         <p:spPr>
           <a:xfrm>
             <a:off x="3628440" y="3026160"/>
-            <a:ext cx="360000" cy="184320"/>
+            <a:ext cx="359640" cy="183960"/>
           </a:xfrm>
           <a:prstGeom prst="rect">
             <a:avLst/>
@@ -7843,7 +7843,7 @@
         <p:spPr>
           <a:xfrm>
             <a:off x="4132800" y="2660760"/>
-            <a:ext cx="858960" cy="1005120"/>
+            <a:ext cx="858600" cy="1004760"/>
           </a:xfrm>
           <a:prstGeom prst="rect">
             <a:avLst/>
@@ -7866,7 +7866,7 @@
         <p:spPr>
           <a:xfrm>
             <a:off x="5068440" y="3026160"/>
-            <a:ext cx="360000" cy="184320"/>
+            <a:ext cx="359640" cy="183960"/>
           </a:xfrm>
           <a:prstGeom prst="rect">
             <a:avLst/>
@@ -7889,7 +7889,7 @@
         <p:spPr>
           <a:xfrm>
             <a:off x="5501880" y="2660760"/>
-            <a:ext cx="1453320" cy="1005120"/>
+            <a:ext cx="1452960" cy="1004760"/>
           </a:xfrm>
           <a:prstGeom prst="rect">
             <a:avLst/>
@@ -7912,7 +7912,7 @@
         <p:spPr>
           <a:xfrm>
             <a:off x="7012440" y="3026160"/>
-            <a:ext cx="360000" cy="184320"/>
+            <a:ext cx="359640" cy="183960"/>
           </a:xfrm>
           <a:prstGeom prst="rect">
             <a:avLst/>
@@ -7935,7 +7935,7 @@
         <p:spPr>
           <a:xfrm>
             <a:off x="7517520" y="2804760"/>
-            <a:ext cx="1093680" cy="711720"/>
+            <a:ext cx="1093320" cy="711360"/>
           </a:xfrm>
           <a:prstGeom prst="rect">
             <a:avLst/>
@@ -7958,7 +7958,7 @@
         <p:spPr>
           <a:xfrm>
             <a:off x="8740440" y="3026160"/>
-            <a:ext cx="360000" cy="184320"/>
+            <a:ext cx="359640" cy="183960"/>
           </a:xfrm>
           <a:prstGeom prst="rect">
             <a:avLst/>
@@ -7981,7 +7981,7 @@
         <p:spPr>
           <a:xfrm>
             <a:off x="9208080" y="2660760"/>
-            <a:ext cx="794880" cy="1005120"/>
+            <a:ext cx="794520" cy="1004760"/>
           </a:xfrm>
           <a:prstGeom prst="rect">
             <a:avLst/>
@@ -8004,7 +8004,7 @@
         <p:spPr>
           <a:xfrm>
             <a:off x="9550800" y="3777120"/>
-            <a:ext cx="182160" cy="356040"/>
+            <a:ext cx="181800" cy="355680"/>
           </a:xfrm>
           <a:prstGeom prst="rect">
             <a:avLst/>
@@ -8027,7 +8027,7 @@
         <p:spPr>
           <a:xfrm>
             <a:off x="9295200" y="4269240"/>
-            <a:ext cx="749160" cy="1005120"/>
+            <a:ext cx="748800" cy="1004760"/>
           </a:xfrm>
           <a:prstGeom prst="rect">
             <a:avLst/>
@@ -8050,7 +8050,7 @@
         <p:spPr>
           <a:xfrm>
             <a:off x="8754840" y="4613760"/>
-            <a:ext cx="356040" cy="182160"/>
+            <a:ext cx="355680" cy="181800"/>
           </a:xfrm>
           <a:prstGeom prst="rect">
             <a:avLst/>
@@ -8073,7 +8073,7 @@
         <p:spPr>
           <a:xfrm>
             <a:off x="7673040" y="4270320"/>
-            <a:ext cx="977760" cy="1005120"/>
+            <a:ext cx="977400" cy="1004760"/>
           </a:xfrm>
           <a:prstGeom prst="rect">
             <a:avLst/>
@@ -8096,7 +8096,7 @@
         <p:spPr>
           <a:xfrm>
             <a:off x="7171200" y="4613760"/>
-            <a:ext cx="356040" cy="182160"/>
+            <a:ext cx="355680" cy="181800"/>
           </a:xfrm>
           <a:prstGeom prst="rect">
             <a:avLst/>
@@ -8119,7 +8119,7 @@
         <p:spPr>
           <a:xfrm>
             <a:off x="6287400" y="4270320"/>
-            <a:ext cx="813240" cy="1005120"/>
+            <a:ext cx="812880" cy="1004760"/>
           </a:xfrm>
           <a:prstGeom prst="rect">
             <a:avLst/>
@@ -8142,7 +8142,7 @@
         <p:spPr>
           <a:xfrm>
             <a:off x="5803560" y="4613760"/>
-            <a:ext cx="356040" cy="182160"/>
+            <a:ext cx="355680" cy="181800"/>
           </a:xfrm>
           <a:prstGeom prst="rect">
             <a:avLst/>
@@ -8165,7 +8165,7 @@
         <p:spPr>
           <a:xfrm>
             <a:off x="4993920" y="4270320"/>
-            <a:ext cx="767520" cy="1005120"/>
+            <a:ext cx="767160" cy="1004760"/>
           </a:xfrm>
           <a:prstGeom prst="rect">
             <a:avLst/>
@@ -8184,7 +8184,7 @@
         <p:spPr>
           <a:xfrm>
             <a:off x="10998360" y="6087240"/>
-            <a:ext cx="1136520" cy="26280"/>
+            <a:ext cx="1136160" cy="25920"/>
           </a:xfrm>
           <a:prstGeom prst="rect">
             <a:avLst/>
@@ -8256,7 +8256,7 @@
         <p:txBody>
           <a:bodyPr/>
           <a:p>
-            <a:fld id="{30469649-1D04-4DED-91FB-CD0F3365BC2D}" type="slidenum">
+            <a:fld id="{F380A5BE-AA2D-4303-B415-527A649FC685}" type="slidenum">
               <a:t>12</a:t>
             </a:fld>
           </a:p>
@@ -9902,7 +9902,7 @@
         <p:spPr>
           <a:xfrm>
             <a:off x="1307160" y="1549080"/>
-            <a:ext cx="10404360" cy="828360"/>
+            <a:ext cx="10404000" cy="828000"/>
           </a:xfrm>
           <a:prstGeom prst="rect">
             <a:avLst/>
@@ -9942,7 +9942,7 @@
         <p:spPr>
           <a:xfrm>
             <a:off x="1307160" y="2629080"/>
-            <a:ext cx="10404360" cy="3102480"/>
+            <a:ext cx="10404000" cy="3102120"/>
           </a:xfrm>
           <a:prstGeom prst="rect">
             <a:avLst/>
@@ -9985,7 +9985,7 @@
         <p:spPr>
           <a:xfrm>
             <a:off x="3048840" y="166680"/>
-            <a:ext cx="8537760" cy="6030720"/>
+            <a:ext cx="8537400" cy="6030360"/>
           </a:xfrm>
           <a:prstGeom prst="rect">
             <a:avLst/>
@@ -10009,7 +10009,7 @@
         <p:txBody>
           <a:bodyPr/>
           <a:p>
-            <a:fld id="{CD55D7EC-542D-4BE1-B9F2-F75B201F3DF6}" type="slidenum">
+            <a:fld id="{9F83CB78-38EB-4963-94CD-6C33CA84453C}" type="slidenum">
               <a:t>13</a:t>
             </a:fld>
           </a:p>
@@ -10058,7 +10058,7 @@
         <p:spPr>
           <a:xfrm>
             <a:off x="1307160" y="1549080"/>
-            <a:ext cx="10404360" cy="828360"/>
+            <a:ext cx="10404000" cy="828000"/>
           </a:xfrm>
           <a:prstGeom prst="rect">
             <a:avLst/>
@@ -10931,7 +10931,7 @@
         <p:spPr>
           <a:xfrm>
             <a:off x="1188360" y="5067000"/>
-            <a:ext cx="10564920" cy="303120"/>
+            <a:ext cx="10564560" cy="303120"/>
           </a:xfrm>
           <a:prstGeom prst="rect">
             <a:avLst/>
@@ -11020,7 +11020,7 @@
         <p:txBody>
           <a:bodyPr/>
           <a:p>
-            <a:fld id="{72E96585-4011-4F6A-A2CB-F259D0BB77DF}" type="slidenum">
+            <a:fld id="{EB97FF0F-E61F-4343-92EE-DD5FE496EB6A}" type="slidenum">
               <a:t>14</a:t>
             </a:fld>
           </a:p>
@@ -11069,7 +11069,7 @@
         <p:spPr>
           <a:xfrm>
             <a:off x="1307160" y="1549080"/>
-            <a:ext cx="10404360" cy="828360"/>
+            <a:ext cx="10404000" cy="828000"/>
           </a:xfrm>
           <a:prstGeom prst="rect">
             <a:avLst/>
@@ -11131,7 +11131,7 @@
         <p:txBody>
           <a:bodyPr/>
           <a:p>
-            <a:fld id="{98F88AAE-823F-444E-A362-2DC2B2385902}" type="slidenum">
+            <a:fld id="{48D4D8DD-37D4-467B-B508-B74F503A1153}" type="slidenum">
               <a:t>15</a:t>
             </a:fld>
           </a:p>
@@ -11180,7 +11180,7 @@
         <p:spPr>
           <a:xfrm>
             <a:off x="2722680" y="340200"/>
-            <a:ext cx="8859600" cy="5906160"/>
+            <a:ext cx="8859240" cy="5905800"/>
           </a:xfrm>
           <a:prstGeom prst="rect">
             <a:avLst/>
@@ -11204,7 +11204,7 @@
         <p:txBody>
           <a:bodyPr/>
           <a:p>
-            <a:fld id="{26AE8614-BC22-4CE6-A929-8D2BDA4BB26E}" type="slidenum">
+            <a:fld id="{2F142050-752F-4126-8C29-53603D737052}" type="slidenum">
               <a:t>16</a:t>
             </a:fld>
           </a:p>
@@ -11253,7 +11253,7 @@
         <p:spPr>
           <a:xfrm>
             <a:off x="2722680" y="340200"/>
-            <a:ext cx="8859600" cy="5906160"/>
+            <a:ext cx="8859240" cy="5905800"/>
           </a:xfrm>
           <a:prstGeom prst="rect">
             <a:avLst/>
@@ -11277,7 +11277,7 @@
         <p:txBody>
           <a:bodyPr/>
           <a:p>
-            <a:fld id="{8E04A281-0A12-412F-BC12-FEA7FEEDFF2F}" type="slidenum">
+            <a:fld id="{BD4220C1-AE9C-405C-92C0-16DF9E433BA8}" type="slidenum">
               <a:t>17</a:t>
             </a:fld>
           </a:p>
@@ -11326,7 +11326,7 @@
         <p:spPr>
           <a:xfrm>
             <a:off x="2722680" y="340200"/>
-            <a:ext cx="8859600" cy="5906160"/>
+            <a:ext cx="8859240" cy="5905800"/>
           </a:xfrm>
           <a:prstGeom prst="rect">
             <a:avLst/>
@@ -11350,7 +11350,7 @@
         <p:txBody>
           <a:bodyPr/>
           <a:p>
-            <a:fld id="{6DBB1E24-73D4-4721-B7F5-9B87F2DE9519}" type="slidenum">
+            <a:fld id="{6C9F8A2F-62C3-4E0A-95CF-FFC16B3990CB}" type="slidenum">
               <a:t>18</a:t>
             </a:fld>
           </a:p>
@@ -11399,7 +11399,7 @@
         <p:spPr>
           <a:xfrm>
             <a:off x="2722680" y="340200"/>
-            <a:ext cx="8859600" cy="5906160"/>
+            <a:ext cx="8859240" cy="5905800"/>
           </a:xfrm>
           <a:prstGeom prst="rect">
             <a:avLst/>
@@ -11423,7 +11423,7 @@
         <p:txBody>
           <a:bodyPr/>
           <a:p>
-            <a:fld id="{C8E7472F-B729-4407-B354-1A75534F90A6}" type="slidenum">
+            <a:fld id="{B1E424E0-0DF4-4356-B22F-D7DB1902E741}" type="slidenum">
               <a:t>19</a:t>
             </a:fld>
           </a:p>
@@ -11472,7 +11472,7 @@
         <p:spPr>
           <a:xfrm>
             <a:off x="1307160" y="1549080"/>
-            <a:ext cx="10404360" cy="828360"/>
+            <a:ext cx="10404000" cy="828000"/>
           </a:xfrm>
           <a:prstGeom prst="rect">
             <a:avLst/>
@@ -11533,7 +11533,7 @@
         <p:spPr>
           <a:xfrm>
             <a:off x="1307160" y="2629080"/>
-            <a:ext cx="10404360" cy="3102480"/>
+            <a:ext cx="10404000" cy="3102120"/>
           </a:xfrm>
           <a:prstGeom prst="rect">
             <a:avLst/>
@@ -11740,26 +11740,6 @@
               <a:latin typeface="Arial"/>
             </a:endParaRPr>
           </a:p>
-          <a:p>
-            <a:pPr marL="432000" indent="0">
-              <a:lnSpc>
-                <a:spcPct val="90000"/>
-              </a:lnSpc>
-              <a:spcBef>
-                <a:spcPts val="1417"/>
-              </a:spcBef>
-              <a:buNone/>
-              <a:tabLst>
-                <a:tab algn="l" pos="0"/>
-              </a:tabLst>
-            </a:pPr>
-            <a:endParaRPr b="0" lang="en-US" sz="2000" spc="-1" strike="noStrike">
-              <a:solidFill>
-                <a:srgbClr val="000000"/>
-              </a:solidFill>
-              <a:latin typeface="Arial"/>
-            </a:endParaRPr>
-          </a:p>
         </p:txBody>
       </p:sp>
       <p:sp>
@@ -11776,7 +11756,7 @@
         <p:txBody>
           <a:bodyPr/>
           <a:p>
-            <a:fld id="{BF827C27-0EEB-4C15-BECB-928132F9DCF1}" type="slidenum">
+            <a:fld id="{2B3C22D2-1F80-403E-9896-F023AE90C907}" type="slidenum">
               <a:t>2</a:t>
             </a:fld>
           </a:p>
@@ -12370,7 +12350,7 @@
         <p:spPr>
           <a:xfrm>
             <a:off x="2722680" y="304200"/>
-            <a:ext cx="8859600" cy="5906160"/>
+            <a:ext cx="8859240" cy="5905800"/>
           </a:xfrm>
           <a:prstGeom prst="rect">
             <a:avLst/>
@@ -12394,7 +12374,7 @@
         <p:txBody>
           <a:bodyPr/>
           <a:p>
-            <a:fld id="{FD1FE741-B4C6-4CC7-97D0-4F239FCC93CE}" type="slidenum">
+            <a:fld id="{DB7BBF12-B41B-4358-9D7B-396428FFB7C3}" type="slidenum">
               <a:t>20</a:t>
             </a:fld>
           </a:p>
@@ -12443,7 +12423,7 @@
         <p:spPr>
           <a:xfrm>
             <a:off x="1307160" y="1549080"/>
-            <a:ext cx="10404360" cy="828360"/>
+            <a:ext cx="10404000" cy="828000"/>
           </a:xfrm>
           <a:prstGeom prst="rect">
             <a:avLst/>
@@ -12499,7 +12479,7 @@
         </p:nvGraphicFramePr>
         <p:xfrm>
           <a:off x="1307160" y="2629080"/>
-          <a:ext cx="10404720" cy="3065760"/>
+          <a:ext cx="10404720" cy="3065400"/>
         </p:xfrm>
         <a:graphic>
           <a:graphicData uri="http://schemas.openxmlformats.org/drawingml/2006/table">
@@ -12570,9 +12550,8 @@
                       <a:noFill/>
                       <a:prstDash val="solid"/>
                     </a:lnL>
-                    <a:lnR w="12240">
+                    <a:lnR>
                       <a:noFill/>
-                      <a:prstDash val="solid"/>
                     </a:lnR>
                     <a:lnT w="12240">
                       <a:noFill/>
@@ -12591,11 +12570,6 @@
                       <a:noAutofit/>
                     </a:bodyPr>
                     <a:p>
-                      <a:pPr>
-                        <a:lnSpc>
-                          <a:spcPct val="100000"/>
-                        </a:lnSpc>
-                      </a:pPr>
                       <a:endParaRPr b="0" lang="de-AT" sz="1800" spc="-1" strike="noStrike">
                         <a:solidFill>
                           <a:srgbClr val="000000"/>
@@ -12669,9 +12643,8 @@
                       <a:noFill/>
                       <a:prstDash val="solid"/>
                     </a:lnL>
-                    <a:lnR w="12240">
+                    <a:lnR>
                       <a:noFill/>
-                      <a:prstDash val="solid"/>
                     </a:lnR>
                     <a:lnT w="12240">
                       <a:noFill/>
@@ -12690,11 +12663,6 @@
                       <a:noAutofit/>
                     </a:bodyPr>
                     <a:p>
-                      <a:pPr>
-                        <a:lnSpc>
-                          <a:spcPct val="100000"/>
-                        </a:lnSpc>
-                      </a:pPr>
                       <a:endParaRPr b="0" lang="de-AT" sz="1800" spc="-1" strike="noStrike">
                         <a:solidFill>
                           <a:srgbClr val="000000"/>
@@ -12770,9 +12738,8 @@
                       <a:noFill/>
                       <a:prstDash val="solid"/>
                     </a:lnL>
-                    <a:lnR w="12240">
+                    <a:lnR>
                       <a:noFill/>
-                      <a:prstDash val="solid"/>
                     </a:lnR>
                     <a:lnT w="12240">
                       <a:noFill/>
@@ -12791,11 +12758,6 @@
                       <a:noAutofit/>
                     </a:bodyPr>
                     <a:p>
-                      <a:pPr>
-                        <a:lnSpc>
-                          <a:spcPct val="100000"/>
-                        </a:lnSpc>
-                      </a:pPr>
                       <a:endParaRPr b="0" lang="de-AT" sz="1800" spc="-1" strike="noStrike">
                         <a:solidFill>
                           <a:srgbClr val="000000"/>
@@ -12874,9 +12836,8 @@
                       <a:noFill/>
                       <a:prstDash val="solid"/>
                     </a:lnL>
-                    <a:lnR w="12240">
+                    <a:lnR>
                       <a:noFill/>
-                      <a:prstDash val="solid"/>
                     </a:lnR>
                     <a:lnT w="12240">
                       <a:noFill/>
@@ -12895,11 +12856,6 @@
                       <a:noAutofit/>
                     </a:bodyPr>
                     <a:p>
-                      <a:pPr>
-                        <a:lnSpc>
-                          <a:spcPct val="100000"/>
-                        </a:lnSpc>
-                      </a:pPr>
                       <a:endParaRPr b="0" lang="de-AT" sz="1800" spc="-1" strike="noStrike">
                         <a:solidFill>
                           <a:srgbClr val="000000"/>
@@ -12946,7 +12902,7 @@
         <p:spPr>
           <a:xfrm>
             <a:off x="11211840" y="2787120"/>
-            <a:ext cx="392400" cy="392400"/>
+            <a:ext cx="392040" cy="392040"/>
           </a:xfrm>
           <a:prstGeom prst="upArrow">
             <a:avLst>
@@ -12999,7 +12955,7 @@
         <p:spPr>
           <a:xfrm>
             <a:off x="11210400" y="3567240"/>
-            <a:ext cx="392400" cy="392400"/>
+            <a:ext cx="392040" cy="392040"/>
           </a:xfrm>
           <a:prstGeom prst="rightArrow">
             <a:avLst>
@@ -13052,7 +13008,7 @@
         <p:spPr>
           <a:xfrm>
             <a:off x="11210400" y="4344480"/>
-            <a:ext cx="392400" cy="392400"/>
+            <a:ext cx="392040" cy="392040"/>
           </a:xfrm>
           <a:prstGeom prst="rightArrow">
             <a:avLst>
@@ -13105,7 +13061,7 @@
         <p:spPr>
           <a:xfrm>
             <a:off x="11212200" y="5153760"/>
-            <a:ext cx="392400" cy="392400"/>
+            <a:ext cx="392040" cy="392040"/>
           </a:xfrm>
           <a:prstGeom prst="downArrow">
             <a:avLst>
@@ -13163,7 +13119,7 @@
         <p:txBody>
           <a:bodyPr/>
           <a:p>
-            <a:fld id="{A75ABAC0-175F-4F0B-A0A2-3DA25CD3A93A}" type="slidenum">
+            <a:fld id="{0368FCF4-62B7-4CD5-8DCD-79AA23E68299}" type="slidenum">
               <a:t>21</a:t>
             </a:fld>
           </a:p>
@@ -13422,7 +13378,7 @@
         <p:spPr>
           <a:xfrm>
             <a:off x="1307160" y="1549080"/>
-            <a:ext cx="10404360" cy="828360"/>
+            <a:ext cx="10404000" cy="828000"/>
           </a:xfrm>
           <a:prstGeom prst="rect">
             <a:avLst/>
@@ -13483,7 +13439,7 @@
         <p:spPr>
           <a:xfrm>
             <a:off x="1307160" y="2629080"/>
-            <a:ext cx="10404360" cy="3102480"/>
+            <a:ext cx="10404000" cy="3102120"/>
           </a:xfrm>
           <a:prstGeom prst="rect">
             <a:avLst/>
@@ -13683,7 +13639,7 @@
         <p:txBody>
           <a:bodyPr/>
           <a:p>
-            <a:fld id="{05F2AA49-C10D-4891-B26E-A07D587B7FAF}" type="slidenum">
+            <a:fld id="{D57381AC-94E9-4254-9DB6-EDCBEFAC7474}" type="slidenum">
               <a:t>22</a:t>
             </a:fld>
           </a:p>
@@ -13728,7 +13684,7 @@
         <p:spPr>
           <a:xfrm>
             <a:off x="4604400" y="1310400"/>
-            <a:ext cx="2982600" cy="516600"/>
+            <a:ext cx="2982240" cy="516600"/>
           </a:xfrm>
           <a:prstGeom prst="rect">
             <a:avLst/>
@@ -13788,7 +13744,7 @@
         <p:spPr>
           <a:xfrm>
             <a:off x="3274200" y="2278080"/>
-            <a:ext cx="5643000" cy="394560"/>
+            <a:ext cx="5642640" cy="394560"/>
           </a:xfrm>
           <a:prstGeom prst="rect">
             <a:avLst/>
@@ -13848,7 +13804,7 @@
         <p:spPr>
           <a:xfrm>
             <a:off x="3037320" y="3237480"/>
-            <a:ext cx="6116760" cy="394560"/>
+            <a:ext cx="6116400" cy="394560"/>
           </a:xfrm>
           <a:prstGeom prst="rect">
             <a:avLst/>
@@ -13908,7 +13864,7 @@
         <p:spPr>
           <a:xfrm>
             <a:off x="2360880" y="4134240"/>
-            <a:ext cx="7469280" cy="673200"/>
+            <a:ext cx="7468920" cy="673200"/>
           </a:xfrm>
           <a:prstGeom prst="rect">
             <a:avLst/>
@@ -13986,7 +13942,7 @@
         <p:txBody>
           <a:bodyPr/>
           <a:p>
-            <a:fld id="{7769DA14-D9BA-42DF-840E-553CCFBEBA79}" type="slidenum">
+            <a:fld id="{05934CB2-396B-4F9A-8B8F-45381C34450E}" type="slidenum">
               <a:t>23</a:t>
             </a:fld>
           </a:p>
@@ -14035,7 +13991,7 @@
         <p:spPr>
           <a:xfrm>
             <a:off x="1307160" y="1549080"/>
-            <a:ext cx="10404360" cy="828360"/>
+            <a:ext cx="10404000" cy="828000"/>
           </a:xfrm>
           <a:prstGeom prst="rect">
             <a:avLst/>
@@ -14096,7 +14052,7 @@
         <p:spPr>
           <a:xfrm>
             <a:off x="1307160" y="2629080"/>
-            <a:ext cx="10404360" cy="3102480"/>
+            <a:ext cx="10404000" cy="3102120"/>
           </a:xfrm>
           <a:prstGeom prst="rect">
             <a:avLst/>
@@ -14314,26 +14270,6 @@
               <a:latin typeface="Arial"/>
             </a:endParaRPr>
           </a:p>
-          <a:p>
-            <a:pPr indent="0">
-              <a:lnSpc>
-                <a:spcPct val="90000"/>
-              </a:lnSpc>
-              <a:spcBef>
-                <a:spcPts val="1417"/>
-              </a:spcBef>
-              <a:buNone/>
-              <a:tabLst>
-                <a:tab algn="l" pos="0"/>
-              </a:tabLst>
-            </a:pPr>
-            <a:endParaRPr b="0" lang="en-US" sz="2000" spc="-1" strike="noStrike">
-              <a:solidFill>
-                <a:srgbClr val="000000"/>
-              </a:solidFill>
-              <a:latin typeface="Arial"/>
-            </a:endParaRPr>
-          </a:p>
         </p:txBody>
       </p:sp>
       <p:sp>
@@ -14350,7 +14286,7 @@
         <p:txBody>
           <a:bodyPr/>
           <a:p>
-            <a:fld id="{422116C3-2B2F-49AB-8723-1106D32A7D6E}" type="slidenum">
+            <a:fld id="{BC2D69E7-8818-4766-9937-88FA4C8F5423}" type="slidenum">
               <a:t>3</a:t>
             </a:fld>
           </a:p>
@@ -15047,7 +14983,7 @@
         <p:spPr>
           <a:xfrm>
             <a:off x="1307160" y="1549080"/>
-            <a:ext cx="10404360" cy="828360"/>
+            <a:ext cx="10404000" cy="828000"/>
           </a:xfrm>
           <a:prstGeom prst="rect">
             <a:avLst/>
@@ -15108,7 +15044,7 @@
         <p:spPr>
           <a:xfrm>
             <a:off x="1307160" y="2629080"/>
-            <a:ext cx="10404360" cy="3102480"/>
+            <a:ext cx="10404000" cy="3102120"/>
           </a:xfrm>
           <a:prstGeom prst="rect">
             <a:avLst/>
@@ -15376,7 +15312,7 @@
         <p:txBody>
           <a:bodyPr/>
           <a:p>
-            <a:fld id="{9C277289-E495-43B8-9265-95CE1E3ECCCC}" type="slidenum">
+            <a:fld id="{622D0F15-E873-4B31-BA38-678C53325DC2}" type="slidenum">
               <a:t>4</a:t>
             </a:fld>
           </a:p>
@@ -16176,7 +16112,7 @@
         <p:spPr>
           <a:xfrm>
             <a:off x="4113360" y="265320"/>
-            <a:ext cx="3964320" cy="1720800"/>
+            <a:ext cx="3963960" cy="1720440"/>
           </a:xfrm>
           <a:prstGeom prst="rect">
             <a:avLst/>
@@ -16199,7 +16135,7 @@
         <p:spPr>
           <a:xfrm>
             <a:off x="4213440" y="2089080"/>
-            <a:ext cx="3764520" cy="668160"/>
+            <a:ext cx="3764160" cy="667800"/>
           </a:xfrm>
           <a:prstGeom prst="rect">
             <a:avLst/>
@@ -16222,7 +16158,7 @@
         <p:spPr>
           <a:xfrm>
             <a:off x="5276880" y="2899440"/>
-            <a:ext cx="1637280" cy="1312560"/>
+            <a:ext cx="1636920" cy="1312200"/>
           </a:xfrm>
           <a:prstGeom prst="rect">
             <a:avLst/>
@@ -16245,7 +16181,7 @@
         <p:spPr>
           <a:xfrm>
             <a:off x="7145280" y="3509640"/>
-            <a:ext cx="2165760" cy="401040"/>
+            <a:ext cx="2165400" cy="400680"/>
           </a:xfrm>
           <a:prstGeom prst="rect">
             <a:avLst/>
@@ -16268,7 +16204,7 @@
         <p:spPr>
           <a:xfrm>
             <a:off x="5140800" y="4379400"/>
-            <a:ext cx="1909440" cy="1004400"/>
+            <a:ext cx="1909080" cy="1004040"/>
           </a:xfrm>
           <a:prstGeom prst="rect">
             <a:avLst/>
@@ -16287,7 +16223,7 @@
         <p:spPr>
           <a:xfrm>
             <a:off x="10998000" y="6120000"/>
-            <a:ext cx="1136520" cy="26280"/>
+            <a:ext cx="1136160" cy="25920"/>
           </a:xfrm>
           <a:prstGeom prst="rect">
             <a:avLst/>
@@ -16359,7 +16295,7 @@
         <p:txBody>
           <a:bodyPr/>
           <a:p>
-            <a:fld id="{8B5F9B0F-D981-46B9-BD68-DFAFE5AF6046}" type="slidenum">
+            <a:fld id="{2F6C3DEB-51F9-470F-9751-93FC2563D77F}" type="slidenum">
               <a:t>5</a:t>
             </a:fld>
           </a:p>
@@ -16756,7 +16692,7 @@
         <p:spPr>
           <a:xfrm>
             <a:off x="1307160" y="1549080"/>
-            <a:ext cx="10404360" cy="828360"/>
+            <a:ext cx="10404000" cy="828000"/>
           </a:xfrm>
           <a:prstGeom prst="rect">
             <a:avLst/>
@@ -16811,7 +16747,7 @@
         <p:spPr>
           <a:xfrm>
             <a:off x="1307160" y="2629080"/>
-            <a:ext cx="10404360" cy="3102480"/>
+            <a:ext cx="10404000" cy="3102120"/>
           </a:xfrm>
           <a:prstGeom prst="rect">
             <a:avLst/>
@@ -17011,7 +16947,7 @@
         <p:txBody>
           <a:bodyPr/>
           <a:p>
-            <a:fld id="{3C6B4806-9938-452D-8E98-D2E3DCEC3C51}" type="slidenum">
+            <a:fld id="{3F3DA6EB-0B05-47CD-BE09-DFE08A1C29DF}" type="slidenum">
               <a:t>6</a:t>
             </a:fld>
           </a:p>
@@ -17605,7 +17541,7 @@
         <p:spPr>
           <a:xfrm>
             <a:off x="1307160" y="1549080"/>
-            <a:ext cx="10404360" cy="828360"/>
+            <a:ext cx="10404000" cy="828000"/>
           </a:xfrm>
           <a:prstGeom prst="rect">
             <a:avLst/>
@@ -17660,7 +17596,7 @@
         <p:spPr>
           <a:xfrm>
             <a:off x="1307160" y="2629080"/>
-            <a:ext cx="10404360" cy="3102480"/>
+            <a:ext cx="10404000" cy="3102120"/>
           </a:xfrm>
           <a:prstGeom prst="rect">
             <a:avLst/>
@@ -17827,7 +17763,7 @@
         <p:txBody>
           <a:bodyPr/>
           <a:p>
-            <a:fld id="{76DDC2D3-AABB-47A6-86F3-207E5A5D0D3A}" type="slidenum">
+            <a:fld id="{D129681F-52D9-4081-83C6-685F955E47D1}" type="slidenum">
               <a:t>7</a:t>
             </a:fld>
           </a:p>
@@ -18318,7 +18254,7 @@
         <p:spPr>
           <a:xfrm>
             <a:off x="1307160" y="1549080"/>
-            <a:ext cx="10404360" cy="828360"/>
+            <a:ext cx="10404000" cy="828000"/>
           </a:xfrm>
           <a:prstGeom prst="rect">
             <a:avLst/>
@@ -18373,7 +18309,7 @@
         <p:spPr>
           <a:xfrm>
             <a:off x="1307160" y="2629080"/>
-            <a:ext cx="10404360" cy="3102480"/>
+            <a:ext cx="10404000" cy="3102120"/>
           </a:xfrm>
           <a:prstGeom prst="rect">
             <a:avLst/>
@@ -18656,7 +18592,7 @@
         <p:txBody>
           <a:bodyPr/>
           <a:p>
-            <a:fld id="{53B273BA-09B5-42B9-B1D5-C3E515ADB27D}" type="slidenum">
+            <a:fld id="{F30EFD1C-A502-4A05-9C5B-50053C9447E9}" type="slidenum">
               <a:t>8</a:t>
             </a:fld>
           </a:p>
@@ -19353,7 +19289,7 @@
         <p:spPr>
           <a:xfrm>
             <a:off x="1307160" y="1549080"/>
-            <a:ext cx="10404360" cy="828360"/>
+            <a:ext cx="10404000" cy="828000"/>
           </a:xfrm>
           <a:prstGeom prst="rect">
             <a:avLst/>
@@ -19393,7 +19329,7 @@
         <p:spPr>
           <a:xfrm>
             <a:off x="3048840" y="166680"/>
-            <a:ext cx="8537760" cy="6030720"/>
+            <a:ext cx="8537400" cy="6030360"/>
           </a:xfrm>
           <a:prstGeom prst="rect">
             <a:avLst/>
@@ -19417,7 +19353,7 @@
         <p:txBody>
           <a:bodyPr/>
           <a:p>
-            <a:fld id="{A8125BF4-7768-4CC1-BC6F-210B0703D528}" type="slidenum">
+            <a:fld id="{2B284BD1-5073-40B7-B57E-1941630A5C1C}" type="slidenum">
               <a:t>9</a:t>
             </a:fld>
           </a:p>
